--- a/SuSS/ANL201 Supp_Tableau - Lecturer.pptx
+++ b/SuSS/ANL201 Supp_Tableau - Lecturer.pptx
@@ -6127,6 +6127,463 @@
       <dsp:cNvGrpSpPr/>
     </dsp:nvGrpSpPr>
     <dsp:grpSpPr/>
+    <dsp:sp modelId="{5F647B37-B7A1-4FB6-88AF-0CF5DDAE1015}">
+      <dsp:nvSpPr>
+        <dsp:cNvPr id="0" name=""/>
+        <dsp:cNvSpPr/>
+      </dsp:nvSpPr>
+      <dsp:spPr>
+        <a:xfrm>
+          <a:off x="1872207" y="2215"/>
+          <a:ext cx="1152128" cy="968486"/>
+        </a:xfrm>
+        <a:prstGeom prst="rect">
+          <a:avLst/>
+        </a:prstGeom>
+        <a:solidFill>
+          <a:schemeClr val="accent1">
+            <a:hueOff val="0"/>
+            <a:satOff val="0"/>
+            <a:lumOff val="0"/>
+            <a:alphaOff val="0"/>
+          </a:schemeClr>
+        </a:solidFill>
+        <a:ln w="25400" cap="flat" cmpd="sng" algn="ctr">
+          <a:solidFill>
+            <a:schemeClr val="lt1">
+              <a:hueOff val="0"/>
+              <a:satOff val="0"/>
+              <a:lumOff val="0"/>
+              <a:alphaOff val="0"/>
+            </a:schemeClr>
+          </a:solidFill>
+          <a:prstDash val="solid"/>
+        </a:ln>
+        <a:effectLst/>
+      </dsp:spPr>
+      <dsp:style>
+        <a:lnRef idx="2">
+          <a:scrgbClr r="0" g="0" b="0"/>
+        </a:lnRef>
+        <a:fillRef idx="1">
+          <a:scrgbClr r="0" g="0" b="0"/>
+        </a:fillRef>
+        <a:effectRef idx="0">
+          <a:scrgbClr r="0" g="0" b="0"/>
+        </a:effectRef>
+        <a:fontRef idx="minor">
+          <a:schemeClr val="lt1"/>
+        </a:fontRef>
+      </dsp:style>
+      <dsp:txBody>
+        <a:bodyPr spcFirstLastPara="0" vert="horz" wrap="square" lIns="50800" tIns="50800" rIns="50800" bIns="50800" numCol="1" spcCol="1270" anchor="ctr" anchorCtr="0">
+          <a:noAutofit/>
+        </a:bodyPr>
+        <a:lstStyle/>
+        <a:p>
+          <a:pPr lvl="0" algn="ctr" defTabSz="889000">
+            <a:lnSpc>
+              <a:spcPct val="90000"/>
+            </a:lnSpc>
+            <a:spcBef>
+              <a:spcPct val="0"/>
+            </a:spcBef>
+            <a:spcAft>
+              <a:spcPct val="35000"/>
+            </a:spcAft>
+          </a:pPr>
+          <a:r>
+            <a:rPr lang="en-US" sz="2000" kern="1200" dirty="0" smtClean="0"/>
+            <a:t>Charts</a:t>
+          </a:r>
+          <a:endParaRPr lang="en-SG" sz="2000" kern="1200" dirty="0"/>
+        </a:p>
+      </dsp:txBody>
+      <dsp:txXfrm>
+        <a:off x="1872207" y="2215"/>
+        <a:ext cx="1152128" cy="968486"/>
+      </dsp:txXfrm>
+    </dsp:sp>
+    <dsp:sp modelId="{67E5E4AB-B4AD-4239-BE07-0AFD0DF21A6D}">
+      <dsp:nvSpPr>
+        <dsp:cNvPr id="0" name=""/>
+        <dsp:cNvSpPr/>
+      </dsp:nvSpPr>
+      <dsp:spPr>
+        <a:xfrm>
+          <a:off x="1260138" y="1019125"/>
+          <a:ext cx="2376267" cy="968486"/>
+        </a:xfrm>
+        <a:prstGeom prst="rect">
+          <a:avLst/>
+        </a:prstGeom>
+        <a:solidFill>
+          <a:schemeClr val="accent1">
+            <a:hueOff val="0"/>
+            <a:satOff val="0"/>
+            <a:lumOff val="0"/>
+            <a:alphaOff val="0"/>
+          </a:schemeClr>
+        </a:solidFill>
+        <a:ln w="25400" cap="flat" cmpd="sng" algn="ctr">
+          <a:solidFill>
+            <a:schemeClr val="lt1">
+              <a:hueOff val="0"/>
+              <a:satOff val="0"/>
+              <a:lumOff val="0"/>
+              <a:alphaOff val="0"/>
+            </a:schemeClr>
+          </a:solidFill>
+          <a:prstDash val="solid"/>
+        </a:ln>
+        <a:effectLst/>
+      </dsp:spPr>
+      <dsp:style>
+        <a:lnRef idx="2">
+          <a:scrgbClr r="0" g="0" b="0"/>
+        </a:lnRef>
+        <a:fillRef idx="1">
+          <a:scrgbClr r="0" g="0" b="0"/>
+        </a:fillRef>
+        <a:effectRef idx="0">
+          <a:scrgbClr r="0" g="0" b="0"/>
+        </a:effectRef>
+        <a:fontRef idx="minor">
+          <a:schemeClr val="lt1"/>
+        </a:fontRef>
+      </dsp:style>
+      <dsp:txBody>
+        <a:bodyPr spcFirstLastPara="0" vert="horz" wrap="square" lIns="50800" tIns="50800" rIns="50800" bIns="50800" numCol="1" spcCol="1270" anchor="ctr" anchorCtr="0">
+          <a:noAutofit/>
+        </a:bodyPr>
+        <a:lstStyle/>
+        <a:p>
+          <a:pPr lvl="0" algn="ctr" defTabSz="889000">
+            <a:lnSpc>
+              <a:spcPct val="90000"/>
+            </a:lnSpc>
+            <a:spcBef>
+              <a:spcPct val="0"/>
+            </a:spcBef>
+            <a:spcAft>
+              <a:spcPct val="35000"/>
+            </a:spcAft>
+          </a:pPr>
+          <a:r>
+            <a:rPr lang="en-US" sz="2000" kern="1200" dirty="0" smtClean="0"/>
+            <a:t>Dimension vs </a:t>
+          </a:r>
+        </a:p>
+        <a:p>
+          <a:pPr lvl="0" algn="ctr" defTabSz="889000">
+            <a:lnSpc>
+              <a:spcPct val="90000"/>
+            </a:lnSpc>
+            <a:spcBef>
+              <a:spcPct val="0"/>
+            </a:spcBef>
+            <a:spcAft>
+              <a:spcPct val="35000"/>
+            </a:spcAft>
+          </a:pPr>
+          <a:r>
+            <a:rPr lang="en-US" sz="2000" kern="1200" dirty="0" smtClean="0"/>
+            <a:t>Measure</a:t>
+          </a:r>
+          <a:endParaRPr lang="en-SG" sz="2000" kern="1200" dirty="0"/>
+        </a:p>
+      </dsp:txBody>
+      <dsp:txXfrm>
+        <a:off x="1260138" y="1019125"/>
+        <a:ext cx="2376267" cy="968486"/>
+      </dsp:txXfrm>
+    </dsp:sp>
+    <dsp:sp modelId="{38C04016-B565-4416-8396-5479A03201BE}">
+      <dsp:nvSpPr>
+        <dsp:cNvPr id="0" name=""/>
+        <dsp:cNvSpPr/>
+      </dsp:nvSpPr>
+      <dsp:spPr>
+        <a:xfrm>
+          <a:off x="1008110" y="2036036"/>
+          <a:ext cx="2880324" cy="968486"/>
+        </a:xfrm>
+        <a:prstGeom prst="rect">
+          <a:avLst/>
+        </a:prstGeom>
+        <a:solidFill>
+          <a:schemeClr val="accent1">
+            <a:hueOff val="0"/>
+            <a:satOff val="0"/>
+            <a:lumOff val="0"/>
+            <a:alphaOff val="0"/>
+          </a:schemeClr>
+        </a:solidFill>
+        <a:ln w="25400" cap="flat" cmpd="sng" algn="ctr">
+          <a:solidFill>
+            <a:schemeClr val="lt1">
+              <a:hueOff val="0"/>
+              <a:satOff val="0"/>
+              <a:lumOff val="0"/>
+              <a:alphaOff val="0"/>
+            </a:schemeClr>
+          </a:solidFill>
+          <a:prstDash val="solid"/>
+        </a:ln>
+        <a:effectLst/>
+      </dsp:spPr>
+      <dsp:style>
+        <a:lnRef idx="2">
+          <a:scrgbClr r="0" g="0" b="0"/>
+        </a:lnRef>
+        <a:fillRef idx="1">
+          <a:scrgbClr r="0" g="0" b="0"/>
+        </a:fillRef>
+        <a:effectRef idx="0">
+          <a:scrgbClr r="0" g="0" b="0"/>
+        </a:effectRef>
+        <a:fontRef idx="minor">
+          <a:schemeClr val="lt1"/>
+        </a:fontRef>
+      </dsp:style>
+      <dsp:txBody>
+        <a:bodyPr spcFirstLastPara="0" vert="horz" wrap="square" lIns="50800" tIns="50800" rIns="50800" bIns="50800" numCol="1" spcCol="1270" anchor="ctr" anchorCtr="0">
+          <a:noAutofit/>
+        </a:bodyPr>
+        <a:lstStyle/>
+        <a:p>
+          <a:pPr lvl="0" algn="ctr" defTabSz="889000">
+            <a:lnSpc>
+              <a:spcPct val="90000"/>
+            </a:lnSpc>
+            <a:spcBef>
+              <a:spcPct val="0"/>
+            </a:spcBef>
+            <a:spcAft>
+              <a:spcPct val="35000"/>
+            </a:spcAft>
+          </a:pPr>
+          <a:r>
+            <a:rPr lang="en-US" sz="2000" kern="1200" dirty="0" smtClean="0"/>
+            <a:t>Relationships  &amp; </a:t>
+          </a:r>
+        </a:p>
+        <a:p>
+          <a:pPr lvl="0" algn="ctr" defTabSz="889000">
+            <a:lnSpc>
+              <a:spcPct val="90000"/>
+            </a:lnSpc>
+            <a:spcBef>
+              <a:spcPct val="0"/>
+            </a:spcBef>
+            <a:spcAft>
+              <a:spcPct val="35000"/>
+            </a:spcAft>
+          </a:pPr>
+          <a:r>
+            <a:rPr lang="en-US" sz="2000" kern="1200" dirty="0" smtClean="0"/>
+            <a:t>Data Blending</a:t>
+          </a:r>
+          <a:endParaRPr lang="en-SG" sz="2000" kern="1200" dirty="0"/>
+        </a:p>
+      </dsp:txBody>
+      <dsp:txXfrm>
+        <a:off x="1008110" y="2036036"/>
+        <a:ext cx="2880324" cy="968486"/>
+      </dsp:txXfrm>
+    </dsp:sp>
+    <dsp:sp modelId="{F8132224-70D1-4D48-8174-9194679B2E58}">
+      <dsp:nvSpPr>
+        <dsp:cNvPr id="0" name=""/>
+        <dsp:cNvSpPr/>
+      </dsp:nvSpPr>
+      <dsp:spPr>
+        <a:xfrm>
+          <a:off x="720077" y="3052947"/>
+          <a:ext cx="3456388" cy="968486"/>
+        </a:xfrm>
+        <a:prstGeom prst="rect">
+          <a:avLst/>
+        </a:prstGeom>
+        <a:solidFill>
+          <a:schemeClr val="accent1">
+            <a:hueOff val="0"/>
+            <a:satOff val="0"/>
+            <a:lumOff val="0"/>
+            <a:alphaOff val="0"/>
+          </a:schemeClr>
+        </a:solidFill>
+        <a:ln w="25400" cap="flat" cmpd="sng" algn="ctr">
+          <a:solidFill>
+            <a:schemeClr val="lt1">
+              <a:hueOff val="0"/>
+              <a:satOff val="0"/>
+              <a:lumOff val="0"/>
+              <a:alphaOff val="0"/>
+            </a:schemeClr>
+          </a:solidFill>
+          <a:prstDash val="solid"/>
+        </a:ln>
+        <a:effectLst/>
+      </dsp:spPr>
+      <dsp:style>
+        <a:lnRef idx="2">
+          <a:scrgbClr r="0" g="0" b="0"/>
+        </a:lnRef>
+        <a:fillRef idx="1">
+          <a:scrgbClr r="0" g="0" b="0"/>
+        </a:fillRef>
+        <a:effectRef idx="0">
+          <a:scrgbClr r="0" g="0" b="0"/>
+        </a:effectRef>
+        <a:fontRef idx="minor">
+          <a:schemeClr val="lt1"/>
+        </a:fontRef>
+      </dsp:style>
+      <dsp:txBody>
+        <a:bodyPr spcFirstLastPara="0" vert="horz" wrap="square" lIns="50800" tIns="50800" rIns="50800" bIns="50800" numCol="1" spcCol="1270" anchor="ctr" anchorCtr="0">
+          <a:noAutofit/>
+        </a:bodyPr>
+        <a:lstStyle/>
+        <a:p>
+          <a:pPr lvl="0" algn="ctr" defTabSz="889000">
+            <a:lnSpc>
+              <a:spcPct val="90000"/>
+            </a:lnSpc>
+            <a:spcBef>
+              <a:spcPct val="0"/>
+            </a:spcBef>
+            <a:spcAft>
+              <a:spcPct val="35000"/>
+            </a:spcAft>
+          </a:pPr>
+          <a:r>
+            <a:rPr lang="en-US" sz="2000" kern="1200" dirty="0" err="1" smtClean="0"/>
+            <a:t>LoD</a:t>
+          </a:r>
+          <a:r>
+            <a:rPr lang="en-US" sz="2000" kern="1200" dirty="0" smtClean="0"/>
+            <a:t> Expressions </a:t>
+          </a:r>
+        </a:p>
+        <a:p>
+          <a:pPr lvl="0" algn="ctr" defTabSz="889000">
+            <a:lnSpc>
+              <a:spcPct val="90000"/>
+            </a:lnSpc>
+            <a:spcBef>
+              <a:spcPct val="0"/>
+            </a:spcBef>
+            <a:spcAft>
+              <a:spcPct val="35000"/>
+            </a:spcAft>
+          </a:pPr>
+          <a:r>
+            <a:rPr lang="en-US" sz="2000" kern="1200" dirty="0" smtClean="0"/>
+            <a:t>&amp; Table Calculation</a:t>
+          </a:r>
+          <a:endParaRPr lang="en-SG" sz="2000" kern="1200" dirty="0"/>
+        </a:p>
+      </dsp:txBody>
+      <dsp:txXfrm>
+        <a:off x="720077" y="3052947"/>
+        <a:ext cx="3456388" cy="968486"/>
+      </dsp:txXfrm>
+    </dsp:sp>
+    <dsp:sp modelId="{2730B65A-9998-4DF1-BD48-0611104E689D}">
+      <dsp:nvSpPr>
+        <dsp:cNvPr id="0" name=""/>
+        <dsp:cNvSpPr/>
+      </dsp:nvSpPr>
+      <dsp:spPr>
+        <a:xfrm>
+          <a:off x="432045" y="4069858"/>
+          <a:ext cx="4032453" cy="968486"/>
+        </a:xfrm>
+        <a:prstGeom prst="rect">
+          <a:avLst/>
+        </a:prstGeom>
+        <a:solidFill>
+          <a:schemeClr val="accent1">
+            <a:hueOff val="0"/>
+            <a:satOff val="0"/>
+            <a:lumOff val="0"/>
+            <a:alphaOff val="0"/>
+          </a:schemeClr>
+        </a:solidFill>
+        <a:ln w="25400" cap="flat" cmpd="sng" algn="ctr">
+          <a:solidFill>
+            <a:schemeClr val="lt1">
+              <a:hueOff val="0"/>
+              <a:satOff val="0"/>
+              <a:lumOff val="0"/>
+              <a:alphaOff val="0"/>
+            </a:schemeClr>
+          </a:solidFill>
+          <a:prstDash val="solid"/>
+        </a:ln>
+        <a:effectLst/>
+      </dsp:spPr>
+      <dsp:style>
+        <a:lnRef idx="2">
+          <a:scrgbClr r="0" g="0" b="0"/>
+        </a:lnRef>
+        <a:fillRef idx="1">
+          <a:scrgbClr r="0" g="0" b="0"/>
+        </a:fillRef>
+        <a:effectRef idx="0">
+          <a:scrgbClr r="0" g="0" b="0"/>
+        </a:effectRef>
+        <a:fontRef idx="minor">
+          <a:schemeClr val="lt1"/>
+        </a:fontRef>
+      </dsp:style>
+      <dsp:txBody>
+        <a:bodyPr spcFirstLastPara="0" vert="horz" wrap="square" lIns="50800" tIns="50800" rIns="50800" bIns="50800" numCol="1" spcCol="1270" anchor="ctr" anchorCtr="0">
+          <a:noAutofit/>
+        </a:bodyPr>
+        <a:lstStyle/>
+        <a:p>
+          <a:pPr lvl="0" algn="ctr" defTabSz="889000">
+            <a:lnSpc>
+              <a:spcPct val="90000"/>
+            </a:lnSpc>
+            <a:spcBef>
+              <a:spcPct val="0"/>
+            </a:spcBef>
+            <a:spcAft>
+              <a:spcPct val="35000"/>
+            </a:spcAft>
+          </a:pPr>
+          <a:r>
+            <a:rPr lang="en-US" sz="2000" kern="1200" dirty="0" smtClean="0"/>
+            <a:t>Sets, Bins &amp; </a:t>
+          </a:r>
+        </a:p>
+        <a:p>
+          <a:pPr lvl="0" algn="ctr" defTabSz="889000">
+            <a:lnSpc>
+              <a:spcPct val="90000"/>
+            </a:lnSpc>
+            <a:spcBef>
+              <a:spcPct val="0"/>
+            </a:spcBef>
+            <a:spcAft>
+              <a:spcPct val="35000"/>
+            </a:spcAft>
+          </a:pPr>
+          <a:r>
+            <a:rPr lang="en-US" sz="2000" kern="1200" dirty="0" smtClean="0"/>
+            <a:t>Parameters</a:t>
+          </a:r>
+          <a:endParaRPr lang="en-SG" sz="2000" kern="1200" dirty="0"/>
+        </a:p>
+      </dsp:txBody>
+      <dsp:txXfrm>
+        <a:off x="432045" y="4069858"/>
+        <a:ext cx="4032453" cy="968486"/>
+      </dsp:txXfrm>
+    </dsp:sp>
   </dsp:spTree>
 </dsp:drawing>
 </file>
@@ -11310,7 +11767,7 @@
               <a:pPr>
                 <a:defRPr/>
               </a:pPr>
-              <a:t>15/1/2021</a:t>
+              <a:t>25/1/2021</a:t>
             </a:fld>
             <a:endParaRPr lang="en-SG" altLang="en-US"/>
           </a:p>
@@ -11504,7 +11961,7 @@
               <a:pPr>
                 <a:defRPr/>
               </a:pPr>
-              <a:t>15/1/2021</a:t>
+              <a:t>25/1/2021</a:t>
             </a:fld>
             <a:endParaRPr lang="en-SG"/>
           </a:p>
@@ -18756,6 +19213,13 @@
       <p:transition spd="slow"/>
     </mc:Fallback>
   </mc:AlternateContent>
+  <p:timing>
+    <p:tnLst>
+      <p:par>
+        <p:cTn id="1" dur="indefinite" restart="never" nodeType="tmRoot"/>
+      </p:par>
+    </p:tnLst>
+  </p:timing>
 </p:sld>
 </file>
 
@@ -19899,6 +20363,13 @@
       <p:transition spd="slow"/>
     </mc:Fallback>
   </mc:AlternateContent>
+  <p:timing>
+    <p:tnLst>
+      <p:par>
+        <p:cTn id="1" dur="indefinite" restart="never" nodeType="tmRoot"/>
+      </p:par>
+    </p:tnLst>
+  </p:timing>
 </p:sld>
 </file>
 
@@ -49860,6 +50331,13 @@
   <p:clrMapOvr>
     <a:masterClrMapping/>
   </p:clrMapOvr>
+  <p:timing>
+    <p:tnLst>
+      <p:par>
+        <p:cTn id="1" dur="indefinite" restart="never" nodeType="tmRoot"/>
+      </p:par>
+    </p:tnLst>
+  </p:timing>
 </p:sld>
 </file>
 
@@ -51354,6 +51832,15 @@
 </file>
 
 <file path=customXml/item1.xml><?xml version="1.0" encoding="utf-8"?>
+<p:properties xmlns:p="http://schemas.microsoft.com/office/2006/metadata/properties" xmlns:xsi="http://www.w3.org/2001/XMLSchema-instance" xmlns:pc="http://schemas.microsoft.com/office/infopath/2007/PartnerControls">
+  <documentManagement>
+    <PublishingExpirationDate xmlns="http://schemas.microsoft.com/sharepoint/v3" xsi:nil="true"/>
+    <PublishingStartDate xmlns="http://schemas.microsoft.com/sharepoint/v3" xsi:nil="true"/>
+  </documentManagement>
+</p:properties>
+</file>
+
+<file path=customXml/item2.xml><?xml version="1.0" encoding="utf-8"?>
 <ct:contentTypeSchema xmlns:ct="http://schemas.microsoft.com/office/2006/metadata/contentType" xmlns:ma="http://schemas.microsoft.com/office/2006/metadata/properties/metaAttributes" ct:_="" ma:_="" ma:contentTypeName="Document" ma:contentTypeID="0x010100B419F809B878CD4A8143B76AE6A08FAC" ma:contentTypeVersion="1" ma:contentTypeDescription="Create a new document." ma:contentTypeScope="" ma:versionID="4ea1b1e036626d7f961cbc0cc2d0a296">
   <xsd:schema xmlns:xsd="http://www.w3.org/2001/XMLSchema" xmlns:xs="http://www.w3.org/2001/XMLSchema" xmlns:p="http://schemas.microsoft.com/office/2006/metadata/properties" xmlns:ns1="http://schemas.microsoft.com/sharepoint/v3" targetNamespace="http://schemas.microsoft.com/office/2006/metadata/properties" ma:root="true" ma:fieldsID="48c5b5cd9b8d25ff6dd15848836f4270" ns1:_="">
     <xsd:import namespace="http://schemas.microsoft.com/sharepoint/v3"/>
@@ -51485,16 +51972,23 @@
 </ct:contentTypeSchema>
 </file>
 
-<file path=customXml/item2.xml><?xml version="1.0" encoding="utf-8"?>
-<p:properties xmlns:p="http://schemas.microsoft.com/office/2006/metadata/properties" xmlns:xsi="http://www.w3.org/2001/XMLSchema-instance" xmlns:pc="http://schemas.microsoft.com/office/infopath/2007/PartnerControls">
-  <documentManagement>
-    <PublishingExpirationDate xmlns="http://schemas.microsoft.com/sharepoint/v3" xsi:nil="true"/>
-    <PublishingStartDate xmlns="http://schemas.microsoft.com/sharepoint/v3" xsi:nil="true"/>
-  </documentManagement>
-</p:properties>
+<file path=customXml/itemProps1.xml><?xml version="1.0" encoding="utf-8"?>
+<ds:datastoreItem xmlns:ds="http://schemas.openxmlformats.org/officeDocument/2006/customXml" ds:itemID="{B8F0CAC7-4618-49A0-B109-4C9B014EB409}">
+  <ds:schemaRefs>
+    <ds:schemaRef ds:uri="http://purl.org/dc/terms/"/>
+    <ds:schemaRef ds:uri="http://schemas.openxmlformats.org/package/2006/metadata/core-properties"/>
+    <ds:schemaRef ds:uri="http://schemas.microsoft.com/office/2006/documentManagement/types"/>
+    <ds:schemaRef ds:uri="http://schemas.microsoft.com/office/infopath/2007/PartnerControls"/>
+    <ds:schemaRef ds:uri="http://purl.org/dc/elements/1.1/"/>
+    <ds:schemaRef ds:uri="http://schemas.microsoft.com/office/2006/metadata/properties"/>
+    <ds:schemaRef ds:uri="http://schemas.microsoft.com/sharepoint/v3"/>
+    <ds:schemaRef ds:uri="http://www.w3.org/XML/1998/namespace"/>
+    <ds:schemaRef ds:uri="http://purl.org/dc/dcmitype/"/>
+  </ds:schemaRefs>
+</ds:datastoreItem>
 </file>
 
-<file path=customXml/itemProps1.xml><?xml version="1.0" encoding="utf-8"?>
+<file path=customXml/itemProps2.xml><?xml version="1.0" encoding="utf-8"?>
 <ds:datastoreItem xmlns:ds="http://schemas.openxmlformats.org/officeDocument/2006/customXml" ds:itemID="{71356E2D-A842-4F8C-B38E-A1C6E0A78175}">
   <ds:schemaRefs>
     <ds:schemaRef ds:uri="http://schemas.microsoft.com/office/2006/metadata/contentType"/>
@@ -51510,20 +52004,4 @@
     <ds:schemaRef ds:uri="http://schemas.microsoft.com/internal/obd"/>
   </ds:schemaRefs>
 </ds:datastoreItem>
-</file>
-
-<file path=customXml/itemProps2.xml><?xml version="1.0" encoding="utf-8"?>
-<ds:datastoreItem xmlns:ds="http://schemas.openxmlformats.org/officeDocument/2006/customXml" ds:itemID="{B8F0CAC7-4618-49A0-B109-4C9B014EB409}">
-  <ds:schemaRefs>
-    <ds:schemaRef ds:uri="http://purl.org/dc/terms/"/>
-    <ds:schemaRef ds:uri="http://schemas.openxmlformats.org/package/2006/metadata/core-properties"/>
-    <ds:schemaRef ds:uri="http://schemas.microsoft.com/office/2006/documentManagement/types"/>
-    <ds:schemaRef ds:uri="http://schemas.microsoft.com/office/infopath/2007/PartnerControls"/>
-    <ds:schemaRef ds:uri="http://purl.org/dc/elements/1.1/"/>
-    <ds:schemaRef ds:uri="http://schemas.microsoft.com/office/2006/metadata/properties"/>
-    <ds:schemaRef ds:uri="http://schemas.microsoft.com/sharepoint/v3"/>
-    <ds:schemaRef ds:uri="http://www.w3.org/XML/1998/namespace"/>
-    <ds:schemaRef ds:uri="http://purl.org/dc/dcmitype/"/>
-  </ds:schemaRefs>
-</ds:datastoreItem>
 </file>